--- a/01.Lessions/05-Filtering-Data/05-Filtering-Data.pptx
+++ b/01.Lessions/05-Filtering-Data/05-Filtering-Data.pptx
@@ -873,7 +873,7 @@
           <a:p>
             <a:fld id="{C764DE79-268F-4C1A-8933-263129D2AF90}" type="datetimeFigureOut">
               <a:rPr lang="en-US" dirty="0"/>
-              <a:t>11/13/2023</a:t>
+              <a:t>11/14/2023</a:t>
             </a:fld>
             <a:endParaRPr lang="en-US" dirty="0"/>
           </a:p>
@@ -1448,15 +1448,7 @@
                   <a:schemeClr val="bg1"/>
                 </a:solidFill>
               </a:rPr>
-              <a:t>Filtering </a:t>
-            </a:r>
-            <a:r>
-              <a:rPr lang="en-US" sz="3200" b="1" dirty="0" smtClean="0">
-                <a:solidFill>
-                  <a:schemeClr val="bg1"/>
-                </a:solidFill>
-              </a:rPr>
-              <a:t>Data</a:t>
+              <a:t>Filtering Data</a:t>
             </a:r>
             <a:endParaRPr lang="en-US" sz="3200" b="1" dirty="0">
               <a:solidFill>
@@ -6870,13 +6862,6 @@
               </a:rPr>
               <a:t>LIKE, ILIKE and NOT ILIKE</a:t>
             </a:r>
-            <a:endParaRPr lang="en-US" sz="1600" dirty="0">
-              <a:solidFill>
-                <a:schemeClr val="accent5">
-                  <a:lumMod val="75000"/>
-                </a:schemeClr>
-              </a:solidFill>
-            </a:endParaRPr>
           </a:p>
         </p:txBody>
       </p:sp>
@@ -10444,7 +10429,7 @@
         <p:spPr>
           <a:xfrm>
             <a:off x="1318725" y="2668485"/>
-            <a:ext cx="6919928" cy="307777"/>
+            <a:ext cx="6919928" cy="338554"/>
           </a:xfrm>
           <a:prstGeom prst="rect">
             <a:avLst/>
@@ -10458,7 +10443,7 @@
           <a:lstStyle/>
           <a:p>
             <a:r>
-              <a:rPr lang="en-US" sz="1400" dirty="0" err="1" smtClean="0">
+              <a:rPr lang="en-US" sz="1600" dirty="0" err="1" smtClean="0">
                 <a:solidFill>
                   <a:schemeClr val="bg1"/>
                 </a:solidFill>
@@ -10466,7 +10451,7 @@
               <a:t>Hiểu</a:t>
             </a:r>
             <a:r>
-              <a:rPr lang="en-US" sz="1400" dirty="0" smtClean="0">
+              <a:rPr lang="en-US" sz="1600" dirty="0" smtClean="0">
                 <a:solidFill>
                   <a:schemeClr val="bg1"/>
                 </a:solidFill>
@@ -10474,7 +10459,7 @@
               <a:t> </a:t>
             </a:r>
             <a:r>
-              <a:rPr lang="en-US" sz="1400" dirty="0" err="1" smtClean="0">
+              <a:rPr lang="en-US" sz="1600" dirty="0" err="1" smtClean="0">
                 <a:solidFill>
                   <a:schemeClr val="bg1"/>
                 </a:solidFill>
@@ -10482,7 +10467,7 @@
               <a:t>cách</a:t>
             </a:r>
             <a:r>
-              <a:rPr lang="en-US" sz="1400" dirty="0" smtClean="0">
+              <a:rPr lang="en-US" sz="1600" dirty="0" smtClean="0">
                 <a:solidFill>
                   <a:schemeClr val="bg1"/>
                 </a:solidFill>
@@ -10490,7 +10475,7 @@
               <a:t> </a:t>
             </a:r>
             <a:r>
-              <a:rPr lang="en-US" sz="1400" dirty="0" err="1" smtClean="0">
+              <a:rPr lang="en-US" sz="1600" dirty="0" err="1" smtClean="0">
                 <a:solidFill>
                   <a:schemeClr val="bg1"/>
                 </a:solidFill>
@@ -10498,7 +10483,7 @@
               <a:t>sử</a:t>
             </a:r>
             <a:r>
-              <a:rPr lang="en-US" sz="1400" dirty="0" smtClean="0">
+              <a:rPr lang="en-US" sz="1600" dirty="0" smtClean="0">
                 <a:solidFill>
                   <a:schemeClr val="bg1"/>
                 </a:solidFill>
@@ -10506,7 +10491,7 @@
               <a:t> </a:t>
             </a:r>
             <a:r>
-              <a:rPr lang="en-US" sz="1400" dirty="0" err="1" smtClean="0">
+              <a:rPr lang="en-US" sz="1600" dirty="0" err="1" smtClean="0">
                 <a:solidFill>
                   <a:schemeClr val="bg1"/>
                 </a:solidFill>
@@ -10514,7 +10499,7 @@
               <a:t>dụng</a:t>
             </a:r>
             <a:r>
-              <a:rPr lang="en-US" sz="1400" dirty="0" smtClean="0">
+              <a:rPr lang="en-US" sz="1600" dirty="0" smtClean="0">
                 <a:solidFill>
                   <a:schemeClr val="bg1"/>
                 </a:solidFill>
@@ -10522,7 +10507,7 @@
               <a:t> </a:t>
             </a:r>
             <a:r>
-              <a:rPr lang="en-US" sz="1400" dirty="0" err="1" smtClean="0">
+              <a:rPr lang="en-US" sz="1600" dirty="0" err="1" smtClean="0">
                 <a:solidFill>
                   <a:schemeClr val="bg1"/>
                 </a:solidFill>
@@ -10530,7 +10515,7 @@
               <a:t>mệnh</a:t>
             </a:r>
             <a:r>
-              <a:rPr lang="en-US" sz="1400" dirty="0" smtClean="0">
+              <a:rPr lang="en-US" sz="1600" dirty="0" smtClean="0">
                 <a:solidFill>
                   <a:schemeClr val="bg1"/>
                 </a:solidFill>
@@ -10538,7 +10523,7 @@
               <a:t> </a:t>
             </a:r>
             <a:r>
-              <a:rPr lang="en-US" sz="1400" dirty="0" err="1" smtClean="0">
+              <a:rPr lang="en-US" sz="1600" dirty="0" err="1" smtClean="0">
                 <a:solidFill>
                   <a:schemeClr val="bg1"/>
                 </a:solidFill>
@@ -10546,14 +10531,14 @@
               <a:t>đề</a:t>
             </a:r>
             <a:r>
-              <a:rPr lang="en-US" sz="1400" dirty="0" smtClean="0">
+              <a:rPr lang="en-US" sz="1600" dirty="0" smtClean="0">
                 <a:solidFill>
                   <a:schemeClr val="bg1"/>
                 </a:solidFill>
               </a:rPr>
               <a:t> WHERE</a:t>
             </a:r>
-            <a:endParaRPr lang="en-US" sz="1400" dirty="0">
+            <a:endParaRPr lang="en-US" sz="1600" dirty="0">
               <a:solidFill>
                 <a:schemeClr val="bg1"/>
               </a:solidFill>
@@ -10622,7 +10607,7 @@
         <p:spPr>
           <a:xfrm>
             <a:off x="1318725" y="3499028"/>
-            <a:ext cx="6919928" cy="307777"/>
+            <a:ext cx="6919928" cy="338554"/>
           </a:xfrm>
           <a:prstGeom prst="rect">
             <a:avLst/>
@@ -10636,7 +10621,7 @@
           <a:lstStyle/>
           <a:p>
             <a:r>
-              <a:rPr lang="en-US" sz="1400" dirty="0" err="1" smtClean="0">
+              <a:rPr lang="en-US" sz="1600" dirty="0" err="1" smtClean="0">
                 <a:solidFill>
                   <a:schemeClr val="bg1"/>
                 </a:solidFill>
@@ -10644,7 +10629,7 @@
               <a:t>Hiểu</a:t>
             </a:r>
             <a:r>
-              <a:rPr lang="en-US" sz="1400" dirty="0" smtClean="0">
+              <a:rPr lang="en-US" sz="1600" dirty="0" smtClean="0">
                 <a:solidFill>
                   <a:schemeClr val="bg1"/>
                 </a:solidFill>
@@ -10652,7 +10637,7 @@
               <a:t> </a:t>
             </a:r>
             <a:r>
-              <a:rPr lang="en-US" sz="1400" dirty="0" err="1" smtClean="0">
+              <a:rPr lang="en-US" sz="1600" dirty="0" err="1" smtClean="0">
                 <a:solidFill>
                   <a:schemeClr val="bg1"/>
                 </a:solidFill>
@@ -10660,7 +10645,7 @@
               <a:t>được</a:t>
             </a:r>
             <a:r>
-              <a:rPr lang="en-US" sz="1400" dirty="0" smtClean="0">
+              <a:rPr lang="en-US" sz="1600" dirty="0" smtClean="0">
                 <a:solidFill>
                   <a:schemeClr val="bg1"/>
                 </a:solidFill>
@@ -10668,7 +10653,7 @@
               <a:t> </a:t>
             </a:r>
             <a:r>
-              <a:rPr lang="en-US" sz="1400" dirty="0" err="1" smtClean="0">
+              <a:rPr lang="en-US" sz="1600" dirty="0" err="1" smtClean="0">
                 <a:solidFill>
                   <a:schemeClr val="bg1"/>
                 </a:solidFill>
@@ -10676,7 +10661,7 @@
               <a:t>cách</a:t>
             </a:r>
             <a:r>
-              <a:rPr lang="en-US" sz="1400" dirty="0" smtClean="0">
+              <a:rPr lang="en-US" sz="1600" dirty="0" smtClean="0">
                 <a:solidFill>
                   <a:schemeClr val="bg1"/>
                 </a:solidFill>
@@ -10684,7 +10669,7 @@
               <a:t> </a:t>
             </a:r>
             <a:r>
-              <a:rPr lang="en-US" sz="1400" dirty="0" err="1" smtClean="0">
+              <a:rPr lang="en-US" sz="1600" dirty="0" err="1" smtClean="0">
                 <a:solidFill>
                   <a:schemeClr val="bg1"/>
                 </a:solidFill>
@@ -10692,7 +10677,7 @@
               <a:t>sử</a:t>
             </a:r>
             <a:r>
-              <a:rPr lang="en-US" sz="1400" dirty="0" smtClean="0">
+              <a:rPr lang="en-US" sz="1600" dirty="0" smtClean="0">
                 <a:solidFill>
                   <a:schemeClr val="bg1"/>
                 </a:solidFill>
@@ -10700,7 +10685,7 @@
               <a:t> </a:t>
             </a:r>
             <a:r>
-              <a:rPr lang="en-US" sz="1400" dirty="0" err="1" smtClean="0">
+              <a:rPr lang="en-US" sz="1600" dirty="0" err="1" smtClean="0">
                 <a:solidFill>
                   <a:schemeClr val="bg1"/>
                 </a:solidFill>
@@ -10708,7 +10693,7 @@
               <a:t>dụng</a:t>
             </a:r>
             <a:r>
-              <a:rPr lang="en-US" sz="1400" dirty="0" smtClean="0">
+              <a:rPr lang="en-US" sz="1600" dirty="0" smtClean="0">
                 <a:solidFill>
                   <a:schemeClr val="bg1"/>
                 </a:solidFill>
@@ -10716,7 +10701,7 @@
               <a:t> </a:t>
             </a:r>
             <a:r>
-              <a:rPr lang="en-US" sz="1400" dirty="0" err="1" smtClean="0">
+              <a:rPr lang="en-US" sz="1600" dirty="0" err="1" smtClean="0">
                 <a:solidFill>
                   <a:schemeClr val="bg1"/>
                 </a:solidFill>
@@ -10724,7 +10709,7 @@
               <a:t>mệnh</a:t>
             </a:r>
             <a:r>
-              <a:rPr lang="en-US" sz="1400" dirty="0" smtClean="0">
+              <a:rPr lang="en-US" sz="1600" dirty="0" smtClean="0">
                 <a:solidFill>
                   <a:schemeClr val="bg1"/>
                 </a:solidFill>
@@ -10732,7 +10717,7 @@
               <a:t> </a:t>
             </a:r>
             <a:r>
-              <a:rPr lang="en-US" sz="1400" dirty="0" err="1" smtClean="0">
+              <a:rPr lang="en-US" sz="1600" dirty="0" err="1" smtClean="0">
                 <a:solidFill>
                   <a:schemeClr val="bg1"/>
                 </a:solidFill>
@@ -10740,14 +10725,14 @@
               <a:t>đề</a:t>
             </a:r>
             <a:r>
-              <a:rPr lang="en-US" sz="1400" dirty="0" smtClean="0">
+              <a:rPr lang="en-US" sz="1600" dirty="0" smtClean="0">
                 <a:solidFill>
                   <a:schemeClr val="bg1"/>
                 </a:solidFill>
               </a:rPr>
               <a:t> LIMIT</a:t>
             </a:r>
-            <a:endParaRPr lang="en-US" sz="1400" dirty="0">
+            <a:endParaRPr lang="en-US" sz="1600" dirty="0">
               <a:solidFill>
                 <a:schemeClr val="bg1"/>
               </a:solidFill>
@@ -10816,7 +10801,7 @@
         <p:spPr>
           <a:xfrm>
             <a:off x="1318725" y="4290326"/>
-            <a:ext cx="6919928" cy="307777"/>
+            <a:ext cx="6919928" cy="338554"/>
           </a:xfrm>
           <a:prstGeom prst="rect">
             <a:avLst/>
@@ -10830,7 +10815,7 @@
           <a:lstStyle/>
           <a:p>
             <a:r>
-              <a:rPr lang="en-US" sz="1400" dirty="0" err="1">
+              <a:rPr lang="en-US" sz="1600" dirty="0" err="1">
                 <a:solidFill>
                   <a:schemeClr val="bg1"/>
                 </a:solidFill>
@@ -10838,7 +10823,7 @@
               <a:t>Hiểu</a:t>
             </a:r>
             <a:r>
-              <a:rPr lang="en-US" sz="1400" dirty="0">
+              <a:rPr lang="en-US" sz="1600" dirty="0">
                 <a:solidFill>
                   <a:schemeClr val="bg1"/>
                 </a:solidFill>
@@ -10846,7 +10831,7 @@
               <a:t> </a:t>
             </a:r>
             <a:r>
-              <a:rPr lang="en-US" sz="1400" dirty="0" err="1">
+              <a:rPr lang="en-US" sz="1600" dirty="0" err="1">
                 <a:solidFill>
                   <a:schemeClr val="bg1"/>
                 </a:solidFill>
@@ -10854,7 +10839,7 @@
               <a:t>được</a:t>
             </a:r>
             <a:r>
-              <a:rPr lang="en-US" sz="1400" dirty="0">
+              <a:rPr lang="en-US" sz="1600" dirty="0">
                 <a:solidFill>
                   <a:schemeClr val="bg1"/>
                 </a:solidFill>
@@ -10862,7 +10847,7 @@
               <a:t> </a:t>
             </a:r>
             <a:r>
-              <a:rPr lang="en-US" sz="1400" dirty="0" err="1">
+              <a:rPr lang="en-US" sz="1600" dirty="0" err="1">
                 <a:solidFill>
                   <a:schemeClr val="bg1"/>
                 </a:solidFill>
@@ -10870,7 +10855,7 @@
               <a:t>cách</a:t>
             </a:r>
             <a:r>
-              <a:rPr lang="en-US" sz="1400" dirty="0">
+              <a:rPr lang="en-US" sz="1600" dirty="0">
                 <a:solidFill>
                   <a:schemeClr val="bg1"/>
                 </a:solidFill>
@@ -10878,7 +10863,7 @@
               <a:t> </a:t>
             </a:r>
             <a:r>
-              <a:rPr lang="en-US" sz="1400" dirty="0" err="1">
+              <a:rPr lang="en-US" sz="1600" dirty="0" err="1">
                 <a:solidFill>
                   <a:schemeClr val="bg1"/>
                 </a:solidFill>
@@ -10886,7 +10871,7 @@
               <a:t>sử</a:t>
             </a:r>
             <a:r>
-              <a:rPr lang="en-US" sz="1400" dirty="0">
+              <a:rPr lang="en-US" sz="1600" dirty="0">
                 <a:solidFill>
                   <a:schemeClr val="bg1"/>
                 </a:solidFill>
@@ -10894,7 +10879,7 @@
               <a:t> </a:t>
             </a:r>
             <a:r>
-              <a:rPr lang="en-US" sz="1400" dirty="0" err="1">
+              <a:rPr lang="en-US" sz="1600" dirty="0" err="1">
                 <a:solidFill>
                   <a:schemeClr val="bg1"/>
                 </a:solidFill>
@@ -10902,7 +10887,7 @@
               <a:t>dụng</a:t>
             </a:r>
             <a:r>
-              <a:rPr lang="en-US" sz="1400" dirty="0">
+              <a:rPr lang="en-US" sz="1600" dirty="0">
                 <a:solidFill>
                   <a:schemeClr val="bg1"/>
                 </a:solidFill>
@@ -10910,7 +10895,7 @@
               <a:t> </a:t>
             </a:r>
             <a:r>
-              <a:rPr lang="en-US" sz="1400" dirty="0" err="1">
+              <a:rPr lang="en-US" sz="1600" dirty="0" err="1">
                 <a:solidFill>
                   <a:schemeClr val="bg1"/>
                 </a:solidFill>
@@ -10918,7 +10903,7 @@
               <a:t>mệnh</a:t>
             </a:r>
             <a:r>
-              <a:rPr lang="en-US" sz="1400" dirty="0">
+              <a:rPr lang="en-US" sz="1600" dirty="0">
                 <a:solidFill>
                   <a:schemeClr val="bg1"/>
                 </a:solidFill>
@@ -10926,7 +10911,7 @@
               <a:t> </a:t>
             </a:r>
             <a:r>
-              <a:rPr lang="en-US" sz="1400" dirty="0" err="1">
+              <a:rPr lang="en-US" sz="1600" dirty="0" err="1">
                 <a:solidFill>
                   <a:schemeClr val="bg1"/>
                 </a:solidFill>
@@ -10934,7 +10919,7 @@
               <a:t>đề</a:t>
             </a:r>
             <a:r>
-              <a:rPr lang="en-US" sz="1400" dirty="0">
+              <a:rPr lang="en-US" sz="1600" dirty="0">
                 <a:solidFill>
                   <a:schemeClr val="bg1"/>
                 </a:solidFill>
@@ -10942,14 +10927,14 @@
               <a:t> </a:t>
             </a:r>
             <a:r>
-              <a:rPr lang="en-US" sz="1400" dirty="0" smtClean="0">
+              <a:rPr lang="en-US" sz="1600" dirty="0" smtClean="0">
                 <a:solidFill>
                   <a:schemeClr val="bg1"/>
                 </a:solidFill>
               </a:rPr>
               <a:t>FETCH</a:t>
             </a:r>
-            <a:endParaRPr lang="en-US" sz="1400" dirty="0">
+            <a:endParaRPr lang="en-US" sz="1600" dirty="0">
               <a:solidFill>
                 <a:schemeClr val="bg1"/>
               </a:solidFill>
@@ -11119,7 +11104,7 @@
         <p:spPr>
           <a:xfrm>
             <a:off x="1318725" y="5041764"/>
-            <a:ext cx="6919928" cy="307777"/>
+            <a:ext cx="6919928" cy="338554"/>
           </a:xfrm>
           <a:prstGeom prst="rect">
             <a:avLst/>
@@ -11133,7 +11118,7 @@
           <a:lstStyle/>
           <a:p>
             <a:r>
-              <a:rPr lang="en-US" sz="1400" dirty="0" err="1">
+              <a:rPr lang="en-US" sz="1600" dirty="0" err="1">
                 <a:solidFill>
                   <a:schemeClr val="bg1"/>
                 </a:solidFill>
@@ -11141,7 +11126,7 @@
               <a:t>Hiểu</a:t>
             </a:r>
             <a:r>
-              <a:rPr lang="en-US" sz="1400" dirty="0">
+              <a:rPr lang="en-US" sz="1600" dirty="0">
                 <a:solidFill>
                   <a:schemeClr val="bg1"/>
                 </a:solidFill>
@@ -11149,7 +11134,7 @@
               <a:t> </a:t>
             </a:r>
             <a:r>
-              <a:rPr lang="en-US" sz="1400" dirty="0" err="1">
+              <a:rPr lang="en-US" sz="1600" dirty="0" err="1">
                 <a:solidFill>
                   <a:schemeClr val="bg1"/>
                 </a:solidFill>
@@ -11157,7 +11142,7 @@
               <a:t>được</a:t>
             </a:r>
             <a:r>
-              <a:rPr lang="en-US" sz="1400" dirty="0">
+              <a:rPr lang="en-US" sz="1600" dirty="0">
                 <a:solidFill>
                   <a:schemeClr val="bg1"/>
                 </a:solidFill>
@@ -11165,7 +11150,7 @@
               <a:t> </a:t>
             </a:r>
             <a:r>
-              <a:rPr lang="en-US" sz="1400" dirty="0" err="1">
+              <a:rPr lang="en-US" sz="1600" dirty="0" err="1">
                 <a:solidFill>
                   <a:schemeClr val="bg1"/>
                 </a:solidFill>
@@ -11173,7 +11158,7 @@
               <a:t>cách</a:t>
             </a:r>
             <a:r>
-              <a:rPr lang="en-US" sz="1400" dirty="0">
+              <a:rPr lang="en-US" sz="1600" dirty="0">
                 <a:solidFill>
                   <a:schemeClr val="bg1"/>
                 </a:solidFill>
@@ -11181,7 +11166,7 @@
               <a:t> </a:t>
             </a:r>
             <a:r>
-              <a:rPr lang="en-US" sz="1400" dirty="0" err="1">
+              <a:rPr lang="en-US" sz="1600" dirty="0" err="1">
                 <a:solidFill>
                   <a:schemeClr val="bg1"/>
                 </a:solidFill>
@@ -11189,7 +11174,7 @@
               <a:t>sử</a:t>
             </a:r>
             <a:r>
-              <a:rPr lang="en-US" sz="1400" dirty="0">
+              <a:rPr lang="en-US" sz="1600" dirty="0">
                 <a:solidFill>
                   <a:schemeClr val="bg1"/>
                 </a:solidFill>
@@ -11197,7 +11182,7 @@
               <a:t> </a:t>
             </a:r>
             <a:r>
-              <a:rPr lang="en-US" sz="1400" dirty="0" err="1">
+              <a:rPr lang="en-US" sz="1600" dirty="0" err="1">
                 <a:solidFill>
                   <a:schemeClr val="bg1"/>
                 </a:solidFill>
@@ -11205,7 +11190,7 @@
               <a:t>dụng</a:t>
             </a:r>
             <a:r>
-              <a:rPr lang="en-US" sz="1400" dirty="0">
+              <a:rPr lang="en-US" sz="1600" dirty="0">
                 <a:solidFill>
                   <a:schemeClr val="bg1"/>
                 </a:solidFill>
@@ -11213,7 +11198,7 @@
               <a:t> </a:t>
             </a:r>
             <a:r>
-              <a:rPr lang="en-US" sz="1400" dirty="0" err="1">
+              <a:rPr lang="en-US" sz="1600" dirty="0" err="1">
                 <a:solidFill>
                   <a:schemeClr val="bg1"/>
                 </a:solidFill>
@@ -11221,7 +11206,7 @@
               <a:t>mệnh</a:t>
             </a:r>
             <a:r>
-              <a:rPr lang="en-US" sz="1400" dirty="0">
+              <a:rPr lang="en-US" sz="1600" dirty="0">
                 <a:solidFill>
                   <a:schemeClr val="bg1"/>
                 </a:solidFill>
@@ -11229,7 +11214,7 @@
               <a:t> </a:t>
             </a:r>
             <a:r>
-              <a:rPr lang="en-US" sz="1400" dirty="0" err="1">
+              <a:rPr lang="en-US" sz="1600" dirty="0" err="1">
                 <a:solidFill>
                   <a:schemeClr val="bg1"/>
                 </a:solidFill>
@@ -11237,7 +11222,7 @@
               <a:t>đề</a:t>
             </a:r>
             <a:r>
-              <a:rPr lang="en-US" sz="1400" dirty="0">
+              <a:rPr lang="en-US" sz="1600" dirty="0">
                 <a:solidFill>
                   <a:schemeClr val="bg1"/>
                 </a:solidFill>
@@ -11245,14 +11230,14 @@
               <a:t> </a:t>
             </a:r>
             <a:r>
-              <a:rPr lang="en-US" sz="1400" dirty="0" smtClean="0">
+              <a:rPr lang="en-US" sz="1600" dirty="0" smtClean="0">
                 <a:solidFill>
                   <a:schemeClr val="bg1"/>
                 </a:solidFill>
               </a:rPr>
               <a:t>IN, BETWEEN, LIKE, IS NULL</a:t>
             </a:r>
-            <a:endParaRPr lang="en-US" sz="1400" dirty="0">
+            <a:endParaRPr lang="en-US" sz="1600" dirty="0">
               <a:solidFill>
                 <a:schemeClr val="bg1"/>
               </a:solidFill>
@@ -12109,13 +12094,6 @@
               </a:rPr>
               <a:t>.</a:t>
             </a:r>
-            <a:endParaRPr lang="en-US" sz="1600" dirty="0">
-              <a:solidFill>
-                <a:schemeClr val="accent5">
-                  <a:lumMod val="75000"/>
-                </a:schemeClr>
-              </a:solidFill>
-            </a:endParaRPr>
           </a:p>
         </p:txBody>
       </p:sp>
